--- a/WDSR - ćwiczenie 3b_SOAP.pptx
+++ b/WDSR - ćwiczenie 3b_SOAP.pptx
@@ -131,7 +131,7 @@
   </p:defaultTextStyle>
   <p:extLst>
     <p:ext uri="{EFAFB233-063F-42B5-8137-9DF3F51BA10A}">
-      <p15:sldGuideLst xmlns:p15="http://schemas.microsoft.com/office/powerpoint/2012/main" xmlns="">
+      <p15:sldGuideLst xmlns="" xmlns:p15="http://schemas.microsoft.com/office/powerpoint/2012/main">
         <p15:guide id="1" orient="horz" pos="1620">
           <p15:clr>
             <a:srgbClr val="A4A3A4"/>
@@ -165,7 +165,7 @@
       </p15:sldGuideLst>
     </p:ext>
     <p:ext uri="{2D200454-40CA-4A62-9FC3-DE9A4176ACB9}">
-      <p15:notesGuideLst xmlns:p15="http://schemas.microsoft.com/office/powerpoint/2012/main" xmlns=""/>
+      <p15:notesGuideLst xmlns="" xmlns:p15="http://schemas.microsoft.com/office/powerpoint/2012/main"/>
     </p:ext>
   </p:extLst>
 </p:presentation>
@@ -260,7 +260,7 @@
             <a:fld id="{C4843D26-F355-3844-A4EF-19D4FD875597}" type="datetimeFigureOut">
               <a:rPr lang="de-DE" smtClean="0"/>
               <a:pPr/>
-              <a:t>27.03.2017</a:t>
+              <a:t>04.04.2017</a:t>
             </a:fld>
             <a:endParaRPr lang="de-DE" dirty="0"/>
           </a:p>
@@ -336,7 +336,7 @@
     </p:spTree>
     <p:extLst>
       <p:ext uri="{BB962C8B-B14F-4D97-AF65-F5344CB8AC3E}">
-        <p14:creationId xmlns:p14="http://schemas.microsoft.com/office/powerpoint/2010/main" xmlns="" val="1863735379"/>
+        <p14:creationId xmlns="" xmlns:p14="http://schemas.microsoft.com/office/powerpoint/2010/main" val="1863735379"/>
       </p:ext>
     </p:extLst>
   </p:cSld>
@@ -428,7 +428,7 @@
             <a:fld id="{8E2CFE12-C1FB-D740-8B6C-AFB72D5D4002}" type="datetimeFigureOut">
               <a:rPr lang="de-DE" smtClean="0"/>
               <a:pPr/>
-              <a:t>27.03.2017</a:t>
+              <a:t>04.04.2017</a:t>
             </a:fld>
             <a:endParaRPr lang="de-DE" dirty="0"/>
           </a:p>
@@ -597,7 +597,7 @@
     </p:spTree>
     <p:extLst>
       <p:ext uri="{BB962C8B-B14F-4D97-AF65-F5344CB8AC3E}">
-        <p14:creationId xmlns:p14="http://schemas.microsoft.com/office/powerpoint/2010/main" xmlns="" val="1832403913"/>
+        <p14:creationId xmlns="" xmlns:p14="http://schemas.microsoft.com/office/powerpoint/2010/main" val="1832403913"/>
       </p:ext>
     </p:extLst>
   </p:cSld>
@@ -775,7 +775,7 @@
     </p:spTree>
     <p:extLst>
       <p:ext uri="{BB962C8B-B14F-4D97-AF65-F5344CB8AC3E}">
-        <p14:creationId xmlns:p14="http://schemas.microsoft.com/office/powerpoint/2010/main" xmlns="" val="1775613547"/>
+        <p14:creationId xmlns="" xmlns:p14="http://schemas.microsoft.com/office/powerpoint/2010/main" val="1775613547"/>
       </p:ext>
     </p:extLst>
   </p:cSld>
@@ -862,7 +862,7 @@
     </p:spTree>
     <p:extLst>
       <p:ext uri="{BB962C8B-B14F-4D97-AF65-F5344CB8AC3E}">
-        <p14:creationId xmlns:p14="http://schemas.microsoft.com/office/powerpoint/2010/main" xmlns="" val="1883132698"/>
+        <p14:creationId xmlns="" xmlns:p14="http://schemas.microsoft.com/office/powerpoint/2010/main" val="1883132698"/>
       </p:ext>
     </p:extLst>
   </p:cSld>
@@ -949,7 +949,7 @@
     </p:spTree>
     <p:extLst>
       <p:ext uri="{BB962C8B-B14F-4D97-AF65-F5344CB8AC3E}">
-        <p14:creationId xmlns:p14="http://schemas.microsoft.com/office/powerpoint/2010/main" xmlns="" val="1883132698"/>
+        <p14:creationId xmlns="" xmlns:p14="http://schemas.microsoft.com/office/powerpoint/2010/main" val="1883132698"/>
       </p:ext>
     </p:extLst>
   </p:cSld>
@@ -1036,7 +1036,7 @@
     </p:spTree>
     <p:extLst>
       <p:ext uri="{BB962C8B-B14F-4D97-AF65-F5344CB8AC3E}">
-        <p14:creationId xmlns:p14="http://schemas.microsoft.com/office/powerpoint/2010/main" xmlns="" val="1883132698"/>
+        <p14:creationId xmlns="" xmlns:p14="http://schemas.microsoft.com/office/powerpoint/2010/main" val="1883132698"/>
       </p:ext>
     </p:extLst>
   </p:cSld>
@@ -1123,7 +1123,7 @@
     </p:spTree>
     <p:extLst>
       <p:ext uri="{BB962C8B-B14F-4D97-AF65-F5344CB8AC3E}">
-        <p14:creationId xmlns:p14="http://schemas.microsoft.com/office/powerpoint/2010/main" xmlns="" val="1883132698"/>
+        <p14:creationId xmlns="" xmlns:p14="http://schemas.microsoft.com/office/powerpoint/2010/main" val="1883132698"/>
       </p:ext>
     </p:extLst>
   </p:cSld>
@@ -1210,7 +1210,7 @@
     </p:spTree>
     <p:extLst>
       <p:ext uri="{BB962C8B-B14F-4D97-AF65-F5344CB8AC3E}">
-        <p14:creationId xmlns:p14="http://schemas.microsoft.com/office/powerpoint/2010/main" xmlns="" val="2809408786"/>
+        <p14:creationId xmlns="" xmlns:p14="http://schemas.microsoft.com/office/powerpoint/2010/main" val="2809408786"/>
       </p:ext>
     </p:extLst>
   </p:cSld>
@@ -1297,7 +1297,7 @@
     </p:spTree>
     <p:extLst>
       <p:ext uri="{BB962C8B-B14F-4D97-AF65-F5344CB8AC3E}">
-        <p14:creationId xmlns:p14="http://schemas.microsoft.com/office/powerpoint/2010/main" xmlns="" val="2446852894"/>
+        <p14:creationId xmlns="" xmlns:p14="http://schemas.microsoft.com/office/powerpoint/2010/main" val="2446852894"/>
       </p:ext>
     </p:extLst>
   </p:cSld>
@@ -1384,7 +1384,7 @@
     </p:spTree>
     <p:extLst>
       <p:ext uri="{BB962C8B-B14F-4D97-AF65-F5344CB8AC3E}">
-        <p14:creationId xmlns:p14="http://schemas.microsoft.com/office/powerpoint/2010/main" xmlns="" val="1883132698"/>
+        <p14:creationId xmlns="" xmlns:p14="http://schemas.microsoft.com/office/powerpoint/2010/main" val="1883132698"/>
       </p:ext>
     </p:extLst>
   </p:cSld>
@@ -1471,7 +1471,7 @@
     </p:spTree>
     <p:extLst>
       <p:ext uri="{BB962C8B-B14F-4D97-AF65-F5344CB8AC3E}">
-        <p14:creationId xmlns:p14="http://schemas.microsoft.com/office/powerpoint/2010/main" xmlns="" val="1883132698"/>
+        <p14:creationId xmlns="" xmlns:p14="http://schemas.microsoft.com/office/powerpoint/2010/main" val="1883132698"/>
       </p:ext>
     </p:extLst>
   </p:cSld>
@@ -1558,7 +1558,7 @@
     </p:spTree>
     <p:extLst>
       <p:ext uri="{BB962C8B-B14F-4D97-AF65-F5344CB8AC3E}">
-        <p14:creationId xmlns:p14="http://schemas.microsoft.com/office/powerpoint/2010/main" xmlns="" val="1883132698"/>
+        <p14:creationId xmlns="" xmlns:p14="http://schemas.microsoft.com/office/powerpoint/2010/main" val="1883132698"/>
       </p:ext>
     </p:extLst>
   </p:cSld>
@@ -1645,7 +1645,7 @@
     </p:spTree>
     <p:extLst>
       <p:ext uri="{BB962C8B-B14F-4D97-AF65-F5344CB8AC3E}">
-        <p14:creationId xmlns:p14="http://schemas.microsoft.com/office/powerpoint/2010/main" xmlns="" val="3849374475"/>
+        <p14:creationId xmlns="" xmlns:p14="http://schemas.microsoft.com/office/powerpoint/2010/main" val="3849374475"/>
       </p:ext>
     </p:extLst>
   </p:cSld>
@@ -1732,7 +1732,7 @@
     </p:spTree>
     <p:extLst>
       <p:ext uri="{BB962C8B-B14F-4D97-AF65-F5344CB8AC3E}">
-        <p14:creationId xmlns:p14="http://schemas.microsoft.com/office/powerpoint/2010/main" xmlns="" val="518439452"/>
+        <p14:creationId xmlns="" xmlns:p14="http://schemas.microsoft.com/office/powerpoint/2010/main" val="518439452"/>
       </p:ext>
     </p:extLst>
   </p:cSld>
@@ -1819,7 +1819,7 @@
     </p:spTree>
     <p:extLst>
       <p:ext uri="{BB962C8B-B14F-4D97-AF65-F5344CB8AC3E}">
-        <p14:creationId xmlns:p14="http://schemas.microsoft.com/office/powerpoint/2010/main" xmlns="" val="518439452"/>
+        <p14:creationId xmlns="" xmlns:p14="http://schemas.microsoft.com/office/powerpoint/2010/main" val="518439452"/>
       </p:ext>
     </p:extLst>
   </p:cSld>
@@ -1906,7 +1906,7 @@
     </p:spTree>
     <p:extLst>
       <p:ext uri="{BB962C8B-B14F-4D97-AF65-F5344CB8AC3E}">
-        <p14:creationId xmlns:p14="http://schemas.microsoft.com/office/powerpoint/2010/main" xmlns="" val="518439452"/>
+        <p14:creationId xmlns="" xmlns:p14="http://schemas.microsoft.com/office/powerpoint/2010/main" val="518439452"/>
       </p:ext>
     </p:extLst>
   </p:cSld>
@@ -1993,7 +1993,7 @@
     </p:spTree>
     <p:extLst>
       <p:ext uri="{BB962C8B-B14F-4D97-AF65-F5344CB8AC3E}">
-        <p14:creationId xmlns:p14="http://schemas.microsoft.com/office/powerpoint/2010/main" xmlns="" val="518439452"/>
+        <p14:creationId xmlns="" xmlns:p14="http://schemas.microsoft.com/office/powerpoint/2010/main" val="518439452"/>
       </p:ext>
     </p:extLst>
   </p:cSld>
@@ -2080,7 +2080,7 @@
     </p:spTree>
     <p:extLst>
       <p:ext uri="{BB962C8B-B14F-4D97-AF65-F5344CB8AC3E}">
-        <p14:creationId xmlns:p14="http://schemas.microsoft.com/office/powerpoint/2010/main" xmlns="" val="518439452"/>
+        <p14:creationId xmlns="" xmlns:p14="http://schemas.microsoft.com/office/powerpoint/2010/main" val="518439452"/>
       </p:ext>
     </p:extLst>
   </p:cSld>
@@ -2167,7 +2167,7 @@
     </p:spTree>
     <p:extLst>
       <p:ext uri="{BB962C8B-B14F-4D97-AF65-F5344CB8AC3E}">
-        <p14:creationId xmlns:p14="http://schemas.microsoft.com/office/powerpoint/2010/main" xmlns="" val="518439452"/>
+        <p14:creationId xmlns="" xmlns:p14="http://schemas.microsoft.com/office/powerpoint/2010/main" val="518439452"/>
       </p:ext>
     </p:extLst>
   </p:cSld>
@@ -2254,7 +2254,7 @@
     </p:spTree>
     <p:extLst>
       <p:ext uri="{BB962C8B-B14F-4D97-AF65-F5344CB8AC3E}">
-        <p14:creationId xmlns:p14="http://schemas.microsoft.com/office/powerpoint/2010/main" xmlns="" val="1883132698"/>
+        <p14:creationId xmlns="" xmlns:p14="http://schemas.microsoft.com/office/powerpoint/2010/main" val="1883132698"/>
       </p:ext>
     </p:extLst>
   </p:cSld>
@@ -2293,7 +2293,7 @@
           <a:blip r:embed="rId2">
             <a:extLst>
               <a:ext uri="{28A0092B-C50C-407E-A947-70E740481C1C}">
-                <a14:useLocalDpi xmlns:a14="http://schemas.microsoft.com/office/drawing/2010/main" xmlns="" val="0"/>
+                <a14:useLocalDpi xmlns="" xmlns:a14="http://schemas.microsoft.com/office/drawing/2010/main" val="0"/>
               </a:ext>
             </a:extLst>
           </a:blip>
@@ -2607,7 +2607,7 @@
           <a:blip r:embed="rId3">
             <a:extLst>
               <a:ext uri="{28A0092B-C50C-407E-A947-70E740481C1C}">
-                <a14:useLocalDpi xmlns:a14="http://schemas.microsoft.com/office/drawing/2010/main" xmlns="" val="0"/>
+                <a14:useLocalDpi xmlns="" xmlns:a14="http://schemas.microsoft.com/office/drawing/2010/main" val="0"/>
               </a:ext>
             </a:extLst>
           </a:blip>
@@ -2627,7 +2627,7 @@
           <a:noFill/>
           <a:extLst>
             <a:ext uri="{909E8E84-426E-40DD-AFC4-6F175D3DCCD1}">
-              <a14:hiddenFill xmlns:a14="http://schemas.microsoft.com/office/drawing/2010/main" xmlns="">
+              <a14:hiddenFill xmlns="" xmlns:a14="http://schemas.microsoft.com/office/drawing/2010/main">
                 <a:solidFill>
                   <a:srgbClr val="FFFFFF"/>
                 </a:solidFill>
@@ -2639,7 +2639,7 @@
     </p:spTree>
     <p:extLst>
       <p:ext uri="{BB962C8B-B14F-4D97-AF65-F5344CB8AC3E}">
-        <p14:creationId xmlns:p14="http://schemas.microsoft.com/office/powerpoint/2010/main" xmlns="" val="2032434000"/>
+        <p14:creationId xmlns="" xmlns:p14="http://schemas.microsoft.com/office/powerpoint/2010/main" val="2032434000"/>
       </p:ext>
     </p:extLst>
   </p:cSld>
@@ -2685,7 +2685,7 @@
           <a:blip r:embed="rId2">
             <a:extLst>
               <a:ext uri="{28A0092B-C50C-407E-A947-70E740481C1C}">
-                <a14:useLocalDpi xmlns:a14="http://schemas.microsoft.com/office/drawing/2010/main" xmlns="" val="0"/>
+                <a14:useLocalDpi xmlns="" xmlns:a14="http://schemas.microsoft.com/office/drawing/2010/main" val="0"/>
               </a:ext>
             </a:extLst>
           </a:blip>
@@ -2981,7 +2981,7 @@
           <a:blip r:embed="rId3">
             <a:extLst>
               <a:ext uri="{28A0092B-C50C-407E-A947-70E740481C1C}">
-                <a14:useLocalDpi xmlns:a14="http://schemas.microsoft.com/office/drawing/2010/main" xmlns="" val="0"/>
+                <a14:useLocalDpi xmlns="" xmlns:a14="http://schemas.microsoft.com/office/drawing/2010/main" val="0"/>
               </a:ext>
             </a:extLst>
           </a:blip>
@@ -3001,7 +3001,7 @@
           <a:noFill/>
           <a:extLst>
             <a:ext uri="{909E8E84-426E-40DD-AFC4-6F175D3DCCD1}">
-              <a14:hiddenFill xmlns:a14="http://schemas.microsoft.com/office/drawing/2010/main" xmlns="">
+              <a14:hiddenFill xmlns="" xmlns:a14="http://schemas.microsoft.com/office/drawing/2010/main">
                 <a:solidFill>
                   <a:srgbClr val="FFFFFF"/>
                 </a:solidFill>
@@ -3013,7 +3013,7 @@
     </p:spTree>
     <p:extLst>
       <p:ext uri="{BB962C8B-B14F-4D97-AF65-F5344CB8AC3E}">
-        <p14:creationId xmlns:p14="http://schemas.microsoft.com/office/powerpoint/2010/main" xmlns="" val="707728385"/>
+        <p14:creationId xmlns="" xmlns:p14="http://schemas.microsoft.com/office/powerpoint/2010/main" val="707728385"/>
       </p:ext>
     </p:extLst>
   </p:cSld>
@@ -3029,7 +3029,7 @@
   </p:timing>
   <p:extLst mod="1">
     <p:ext uri="{DCECCB84-F9BA-43D5-87BE-67443E8EF086}">
-      <p15:sldGuideLst xmlns:p15="http://schemas.microsoft.com/office/powerpoint/2012/main" xmlns="">
+      <p15:sldGuideLst xmlns="" xmlns:p15="http://schemas.microsoft.com/office/powerpoint/2012/main">
         <p15:guide id="1" orient="horz" pos="1221">
           <p15:clr>
             <a:srgbClr val="C35EA4"/>
@@ -3070,7 +3070,7 @@
           <a:blip r:embed="rId2">
             <a:extLst>
               <a:ext uri="{28A0092B-C50C-407E-A947-70E740481C1C}">
-                <a14:useLocalDpi xmlns:a14="http://schemas.microsoft.com/office/drawing/2010/main" xmlns="" val="0"/>
+                <a14:useLocalDpi xmlns="" xmlns:a14="http://schemas.microsoft.com/office/drawing/2010/main" val="0"/>
               </a:ext>
             </a:extLst>
           </a:blip>
@@ -3321,7 +3321,7 @@
           <a:blip r:embed="rId3">
             <a:extLst>
               <a:ext uri="{28A0092B-C50C-407E-A947-70E740481C1C}">
-                <a14:useLocalDpi xmlns:a14="http://schemas.microsoft.com/office/drawing/2010/main" xmlns="" val="0"/>
+                <a14:useLocalDpi xmlns="" xmlns:a14="http://schemas.microsoft.com/office/drawing/2010/main" val="0"/>
               </a:ext>
             </a:extLst>
           </a:blip>
@@ -3341,7 +3341,7 @@
           <a:noFill/>
           <a:extLst>
             <a:ext uri="{909E8E84-426E-40DD-AFC4-6F175D3DCCD1}">
-              <a14:hiddenFill xmlns:a14="http://schemas.microsoft.com/office/drawing/2010/main" xmlns="">
+              <a14:hiddenFill xmlns="" xmlns:a14="http://schemas.microsoft.com/office/drawing/2010/main">
                 <a:solidFill>
                   <a:srgbClr val="FFFFFF"/>
                 </a:solidFill>
@@ -3353,7 +3353,7 @@
     </p:spTree>
     <p:extLst>
       <p:ext uri="{BB962C8B-B14F-4D97-AF65-F5344CB8AC3E}">
-        <p14:creationId xmlns:p14="http://schemas.microsoft.com/office/powerpoint/2010/main" xmlns="" val="3130113218"/>
+        <p14:creationId xmlns="" xmlns:p14="http://schemas.microsoft.com/office/powerpoint/2010/main" val="3130113218"/>
       </p:ext>
     </p:extLst>
   </p:cSld>
@@ -3362,7 +3362,7 @@
   </p:clrMapOvr>
   <p:extLst mod="1">
     <p:ext uri="{DCECCB84-F9BA-43D5-87BE-67443E8EF086}">
-      <p15:sldGuideLst xmlns:p15="http://schemas.microsoft.com/office/powerpoint/2012/main" xmlns="">
+      <p15:sldGuideLst xmlns="" xmlns:p15="http://schemas.microsoft.com/office/powerpoint/2012/main">
         <p15:guide id="1" orient="horz" pos="1221">
           <p15:clr>
             <a:srgbClr val="C35EA4"/>
@@ -3516,7 +3516,7 @@
     </p:spTree>
     <p:extLst>
       <p:ext uri="{BB962C8B-B14F-4D97-AF65-F5344CB8AC3E}">
-        <p14:creationId xmlns:p14="http://schemas.microsoft.com/office/powerpoint/2010/main" xmlns="" val="2626482632"/>
+        <p14:creationId xmlns="" xmlns:p14="http://schemas.microsoft.com/office/powerpoint/2010/main" val="2626482632"/>
       </p:ext>
     </p:extLst>
   </p:cSld>
@@ -3737,7 +3737,7 @@
     </p:spTree>
     <p:extLst>
       <p:ext uri="{BB962C8B-B14F-4D97-AF65-F5344CB8AC3E}">
-        <p14:creationId xmlns:p14="http://schemas.microsoft.com/office/powerpoint/2010/main" xmlns="" val="3371847988"/>
+        <p14:creationId xmlns="" xmlns:p14="http://schemas.microsoft.com/office/powerpoint/2010/main" val="3371847988"/>
       </p:ext>
     </p:extLst>
   </p:cSld>
@@ -3953,7 +3953,7 @@
     </p:spTree>
     <p:extLst>
       <p:ext uri="{BB962C8B-B14F-4D97-AF65-F5344CB8AC3E}">
-        <p14:creationId xmlns:p14="http://schemas.microsoft.com/office/powerpoint/2010/main" xmlns="" val="4208395069"/>
+        <p14:creationId xmlns="" xmlns:p14="http://schemas.microsoft.com/office/powerpoint/2010/main" val="4208395069"/>
       </p:ext>
     </p:extLst>
   </p:cSld>
@@ -4049,7 +4049,7 @@
     </p:spTree>
     <p:extLst>
       <p:ext uri="{BB962C8B-B14F-4D97-AF65-F5344CB8AC3E}">
-        <p14:creationId xmlns:p14="http://schemas.microsoft.com/office/powerpoint/2010/main" xmlns="" val="2097094422"/>
+        <p14:creationId xmlns="" xmlns:p14="http://schemas.microsoft.com/office/powerpoint/2010/main" val="2097094422"/>
       </p:ext>
     </p:extLst>
   </p:cSld>
@@ -4085,7 +4085,7 @@
           <p:nvPr userDrawn="1">
             <p:extLst>
               <p:ext uri="{D42A27DB-BD31-4B8C-83A1-F6EECF244321}">
-                <p14:modId xmlns:p14="http://schemas.microsoft.com/office/powerpoint/2010/main" xmlns="" val="2766779821"/>
+                <p14:modId xmlns="" xmlns:p14="http://schemas.microsoft.com/office/powerpoint/2010/main" val="2766779821"/>
               </p:ext>
             </p:extLst>
           </p:nvPr>
@@ -4114,7 +4114,7 @@
           <a:blip r:embed="rId4">
             <a:extLst>
               <a:ext uri="{28A0092B-C50C-407E-A947-70E740481C1C}">
-                <a14:useLocalDpi xmlns:a14="http://schemas.microsoft.com/office/drawing/2010/main" xmlns="" val="0"/>
+                <a14:useLocalDpi xmlns="" xmlns:a14="http://schemas.microsoft.com/office/drawing/2010/main" val="0"/>
               </a:ext>
             </a:extLst>
           </a:blip>
@@ -4366,7 +4366,7 @@
     </p:spTree>
     <p:extLst>
       <p:ext uri="{BB962C8B-B14F-4D97-AF65-F5344CB8AC3E}">
-        <p14:creationId xmlns:p14="http://schemas.microsoft.com/office/powerpoint/2010/main" xmlns="" val="2060546820"/>
+        <p14:creationId xmlns="" xmlns:p14="http://schemas.microsoft.com/office/powerpoint/2010/main" val="2060546820"/>
       </p:ext>
     </p:extLst>
   </p:cSld>
@@ -4410,7 +4410,7 @@
           <a:blip r:embed="rId11">
             <a:extLst>
               <a:ext uri="{28A0092B-C50C-407E-A947-70E740481C1C}">
-                <a14:useLocalDpi xmlns:a14="http://schemas.microsoft.com/office/drawing/2010/main" xmlns="" val="0"/>
+                <a14:useLocalDpi xmlns="" xmlns:a14="http://schemas.microsoft.com/office/drawing/2010/main" val="0"/>
               </a:ext>
             </a:extLst>
           </a:blip>
@@ -4430,7 +4430,7 @@
           <a:noFill/>
           <a:extLst>
             <a:ext uri="{909E8E84-426E-40DD-AFC4-6F175D3DCCD1}">
-              <a14:hiddenFill xmlns:a14="http://schemas.microsoft.com/office/drawing/2010/main" xmlns="">
+              <a14:hiddenFill xmlns="" xmlns:a14="http://schemas.microsoft.com/office/drawing/2010/main">
                 <a:solidFill>
                   <a:srgbClr val="FFFFFF"/>
                 </a:solidFill>
@@ -4448,7 +4448,7 @@
           <p:nvPr>
             <p:extLst>
               <p:ext uri="{D42A27DB-BD31-4B8C-83A1-F6EECF244321}">
-                <p14:modId xmlns:p14="http://schemas.microsoft.com/office/powerpoint/2010/main" xmlns="" val="2610759032"/>
+                <p14:modId xmlns="" xmlns:p14="http://schemas.microsoft.com/office/powerpoint/2010/main" val="2610759032"/>
               </p:ext>
             </p:extLst>
           </p:nvPr>
@@ -5319,7 +5319,7 @@
     </p:spTree>
     <p:extLst>
       <p:ext uri="{BB962C8B-B14F-4D97-AF65-F5344CB8AC3E}">
-        <p14:creationId xmlns:p14="http://schemas.microsoft.com/office/powerpoint/2010/main" xmlns="" val="2955847980"/>
+        <p14:creationId xmlns="" xmlns:p14="http://schemas.microsoft.com/office/powerpoint/2010/main" val="2955847980"/>
       </p:ext>
     </p:extLst>
   </p:cSld>
@@ -5638,7 +5638,7 @@
   </p:txStyles>
   <p:extLst mod="1">
     <p:ext uri="{27BBF7A9-308A-43DC-89C8-2F10F3537804}">
-      <p15:sldGuideLst xmlns:p15="http://schemas.microsoft.com/office/powerpoint/2012/main" xmlns="">
+      <p15:sldGuideLst xmlns="" xmlns:p15="http://schemas.microsoft.com/office/powerpoint/2012/main">
         <p15:guide id="1" pos="283">
           <p15:clr>
             <a:srgbClr val="FBAE40"/>
@@ -5771,26 +5771,13 @@
           <a:p>
             <a:r>
               <a:rPr lang="pl-PL" dirty="0" smtClean="0"/>
-              <a:t>Lato </a:t>
-            </a:r>
-            <a:r>
-              <a:rPr lang="pl-PL" dirty="0" smtClean="0"/>
-              <a:t>2017</a:t>
-            </a:r>
-            <a:endParaRPr lang="pl-PL" dirty="0" smtClean="0"/>
-          </a:p>
-          <a:p>
-            <a:r>
-              <a:rPr lang="pl-PL" dirty="0" smtClean="0"/>
-              <a:t>Wersja </a:t>
-            </a:r>
-            <a:r>
-              <a:rPr lang="pl-PL" dirty="0" smtClean="0"/>
-              <a:t>2</a:t>
-            </a:r>
-            <a:r>
-              <a:rPr lang="pl-PL" dirty="0" smtClean="0"/>
-              <a:t>.0</a:t>
+              <a:t>Lato 2017</a:t>
+            </a:r>
+          </a:p>
+          <a:p>
+            <a:r>
+              <a:rPr lang="pl-PL" dirty="0" smtClean="0"/>
+              <a:t>Wersja 2.0</a:t>
             </a:r>
             <a:endParaRPr lang="de-DE" dirty="0"/>
           </a:p>
@@ -5799,7 +5786,7 @@
     </p:spTree>
     <p:extLst>
       <p:ext uri="{BB962C8B-B14F-4D97-AF65-F5344CB8AC3E}">
-        <p14:creationId xmlns:p14="http://schemas.microsoft.com/office/powerpoint/2010/main" xmlns="" val="3230101943"/>
+        <p14:creationId xmlns="" xmlns:p14="http://schemas.microsoft.com/office/powerpoint/2010/main" val="3230101943"/>
       </p:ext>
     </p:extLst>
   </p:cSld>
@@ -5942,7 +5929,7 @@
     </p:spTree>
     <p:extLst>
       <p:ext uri="{BB962C8B-B14F-4D97-AF65-F5344CB8AC3E}">
-        <p14:creationId xmlns:p14="http://schemas.microsoft.com/office/powerpoint/2010/main" xmlns="" val="1022935673"/>
+        <p14:creationId xmlns="" xmlns:p14="http://schemas.microsoft.com/office/powerpoint/2010/main" val="1022935673"/>
       </p:ext>
     </p:extLst>
   </p:cSld>
@@ -5950,7 +5937,7 @@
     <a:masterClrMapping/>
   </p:clrMapOvr>
   <mc:AlternateContent xmlns:mc="http://schemas.openxmlformats.org/markup-compatibility/2006">
-    <mc:Choice xmlns:p14="http://schemas.microsoft.com/office/powerpoint/2010/main" xmlns="" Requires="p14">
+    <mc:Choice xmlns="" xmlns:p14="http://schemas.microsoft.com/office/powerpoint/2010/main" Requires="p14">
       <p:transition p14:dur="10"/>
     </mc:Choice>
     <mc:Fallback>
@@ -6133,7 +6120,7 @@
     </p:spTree>
     <p:extLst>
       <p:ext uri="{BB962C8B-B14F-4D97-AF65-F5344CB8AC3E}">
-        <p14:creationId xmlns:p14="http://schemas.microsoft.com/office/powerpoint/2010/main" xmlns="" val="565121571"/>
+        <p14:creationId xmlns="" xmlns:p14="http://schemas.microsoft.com/office/powerpoint/2010/main" val="565121571"/>
       </p:ext>
     </p:extLst>
   </p:cSld>
@@ -6141,7 +6128,7 @@
     <a:masterClrMapping/>
   </p:clrMapOvr>
   <mc:AlternateContent xmlns:mc="http://schemas.openxmlformats.org/markup-compatibility/2006">
-    <mc:Choice xmlns:p14="http://schemas.microsoft.com/office/powerpoint/2010/main" xmlns="" Requires="p14">
+    <mc:Choice xmlns="" xmlns:p14="http://schemas.microsoft.com/office/powerpoint/2010/main" Requires="p14">
       <p:transition p14:dur="10"/>
     </mc:Choice>
     <mc:Fallback>
@@ -6611,7 +6598,7 @@
     </p:spTree>
     <p:extLst>
       <p:ext uri="{BB962C8B-B14F-4D97-AF65-F5344CB8AC3E}">
-        <p14:creationId xmlns:p14="http://schemas.microsoft.com/office/powerpoint/2010/main" xmlns="" val="1329190289"/>
+        <p14:creationId xmlns="" xmlns:p14="http://schemas.microsoft.com/office/powerpoint/2010/main" val="1329190289"/>
       </p:ext>
     </p:extLst>
   </p:cSld>
@@ -6619,7 +6606,7 @@
     <a:masterClrMapping/>
   </p:clrMapOvr>
   <mc:AlternateContent xmlns:mc="http://schemas.openxmlformats.org/markup-compatibility/2006">
-    <mc:Choice xmlns:p14="http://schemas.microsoft.com/office/powerpoint/2010/main" xmlns="" Requires="p14">
+    <mc:Choice xmlns="" xmlns:p14="http://schemas.microsoft.com/office/powerpoint/2010/main" Requires="p14">
       <p:transition p14:dur="10"/>
     </mc:Choice>
     <mc:Fallback>
@@ -6827,7 +6814,7 @@
     </p:spTree>
     <p:extLst>
       <p:ext uri="{BB962C8B-B14F-4D97-AF65-F5344CB8AC3E}">
-        <p14:creationId xmlns:p14="http://schemas.microsoft.com/office/powerpoint/2010/main" xmlns="" val="1445465161"/>
+        <p14:creationId xmlns="" xmlns:p14="http://schemas.microsoft.com/office/powerpoint/2010/main" val="1445465161"/>
       </p:ext>
     </p:extLst>
   </p:cSld>
@@ -6835,7 +6822,7 @@
     <a:masterClrMapping/>
   </p:clrMapOvr>
   <mc:AlternateContent xmlns:mc="http://schemas.openxmlformats.org/markup-compatibility/2006">
-    <mc:Choice xmlns:p14="http://schemas.microsoft.com/office/powerpoint/2010/main" xmlns="" Requires="p14">
+    <mc:Choice xmlns="" xmlns:p14="http://schemas.microsoft.com/office/powerpoint/2010/main" Requires="p14">
       <p:transition p14:dur="10"/>
     </mc:Choice>
     <mc:Fallback>
@@ -7086,7 +7073,7 @@
     </p:spTree>
     <p:extLst>
       <p:ext uri="{BB962C8B-B14F-4D97-AF65-F5344CB8AC3E}">
-        <p14:creationId xmlns:p14="http://schemas.microsoft.com/office/powerpoint/2010/main" xmlns="" val="3166790887"/>
+        <p14:creationId xmlns="" xmlns:p14="http://schemas.microsoft.com/office/powerpoint/2010/main" val="3166790887"/>
       </p:ext>
     </p:extLst>
   </p:cSld>
@@ -7094,7 +7081,7 @@
     <a:masterClrMapping/>
   </p:clrMapOvr>
   <mc:AlternateContent xmlns:mc="http://schemas.openxmlformats.org/markup-compatibility/2006">
-    <mc:Choice xmlns:p14="http://schemas.microsoft.com/office/powerpoint/2010/main" xmlns="" Requires="p14">
+    <mc:Choice xmlns="" xmlns:p14="http://schemas.microsoft.com/office/powerpoint/2010/main" Requires="p14">
       <p:transition p14:dur="10"/>
     </mc:Choice>
     <mc:Fallback>
@@ -7227,34 +7214,32 @@
             <a:pPr lvl="1"/>
             <a:r>
               <a:rPr lang="pl-PL" sz="850" dirty="0" smtClean="0"/>
-              <a:t>Zaimportuj opis WSDL (</a:t>
+              <a:t>Zaimportuj opis WSDL </a:t>
+            </a:r>
+            <a:r>
+              <a:rPr lang="pl-PL" sz="850" dirty="0" smtClean="0"/>
+              <a:t>(</a:t>
             </a:r>
             <a:r>
               <a:rPr lang="pl-PL" sz="850" dirty="0" smtClean="0">
                 <a:hlinkClick r:id="rId4"/>
               </a:rPr>
-              <a:t>http</a:t>
-            </a:r>
-            <a:r>
-              <a:rPr lang="pl-PL" sz="850" dirty="0">
+              <a:t>http://localhost:8090/</a:t>
+            </a:r>
+            <a:r>
+              <a:rPr lang="pl-PL" sz="850" dirty="0" err="1" smtClean="0">
                 <a:hlinkClick r:id="rId4"/>
               </a:rPr>
-              <a:t>://</a:t>
+              <a:t>holidayService</a:t>
             </a:r>
             <a:r>
               <a:rPr lang="pl-PL" sz="850" dirty="0" smtClean="0">
                 <a:hlinkClick r:id="rId4"/>
               </a:rPr>
-              <a:t>localhost:8090/holidayService</a:t>
-            </a:r>
-            <a:r>
-              <a:rPr lang="pl-PL" sz="850" dirty="0">
-                <a:hlinkClick r:id="rId4"/>
-              </a:rPr>
               <a:t>/?</a:t>
             </a:r>
             <a:r>
-              <a:rPr lang="pl-PL" sz="850" dirty="0" smtClean="0">
+              <a:rPr lang="pl-PL" sz="850" dirty="0" err="1" smtClean="0">
                 <a:hlinkClick r:id="rId4"/>
               </a:rPr>
               <a:t>wsdl</a:t>
@@ -7341,7 +7326,7 @@
     </p:spTree>
     <p:extLst>
       <p:ext uri="{BB962C8B-B14F-4D97-AF65-F5344CB8AC3E}">
-        <p14:creationId xmlns:p14="http://schemas.microsoft.com/office/powerpoint/2010/main" xmlns="" val="2885668581"/>
+        <p14:creationId xmlns="" xmlns:p14="http://schemas.microsoft.com/office/powerpoint/2010/main" val="2885668581"/>
       </p:ext>
     </p:extLst>
   </p:cSld>
@@ -7349,7 +7334,7 @@
     <a:masterClrMapping/>
   </p:clrMapOvr>
   <mc:AlternateContent xmlns:mc="http://schemas.openxmlformats.org/markup-compatibility/2006">
-    <mc:Choice xmlns:p14="http://schemas.microsoft.com/office/powerpoint/2010/main" xmlns="" Requires="p14">
+    <mc:Choice xmlns="" xmlns:p14="http://schemas.microsoft.com/office/powerpoint/2010/main" Requires="p14">
       <p:transition p14:dur="10"/>
     </mc:Choice>
     <mc:Fallback>
@@ -7512,7 +7497,7 @@
     </p:spTree>
     <p:extLst>
       <p:ext uri="{BB962C8B-B14F-4D97-AF65-F5344CB8AC3E}">
-        <p14:creationId xmlns:p14="http://schemas.microsoft.com/office/powerpoint/2010/main" xmlns="" val="2088384111"/>
+        <p14:creationId xmlns="" xmlns:p14="http://schemas.microsoft.com/office/powerpoint/2010/main" val="2088384111"/>
       </p:ext>
     </p:extLst>
   </p:cSld>
@@ -7520,7 +7505,7 @@
     <a:masterClrMapping/>
   </p:clrMapOvr>
   <mc:AlternateContent xmlns:mc="http://schemas.openxmlformats.org/markup-compatibility/2006">
-    <mc:Choice xmlns:p14="http://schemas.microsoft.com/office/powerpoint/2010/main" xmlns="" Requires="p14">
+    <mc:Choice xmlns="" xmlns:p14="http://schemas.microsoft.com/office/powerpoint/2010/main" Requires="p14">
       <p:transition p14:dur="10"/>
     </mc:Choice>
     <mc:Fallback>
@@ -7694,7 +7679,7 @@
     </p:spTree>
     <p:extLst>
       <p:ext uri="{BB962C8B-B14F-4D97-AF65-F5344CB8AC3E}">
-        <p14:creationId xmlns:p14="http://schemas.microsoft.com/office/powerpoint/2010/main" xmlns="" val="2519267293"/>
+        <p14:creationId xmlns="" xmlns:p14="http://schemas.microsoft.com/office/powerpoint/2010/main" val="2519267293"/>
       </p:ext>
     </p:extLst>
   </p:cSld>
@@ -7702,7 +7687,7 @@
     <a:masterClrMapping/>
   </p:clrMapOvr>
   <mc:AlternateContent xmlns:mc="http://schemas.openxmlformats.org/markup-compatibility/2006">
-    <mc:Choice xmlns:p14="http://schemas.microsoft.com/office/powerpoint/2010/main" xmlns="" Requires="p14">
+    <mc:Choice xmlns="" xmlns:p14="http://schemas.microsoft.com/office/powerpoint/2010/main" Requires="p14">
       <p:transition p14:dur="10"/>
     </mc:Choice>
     <mc:Fallback>
@@ -8225,7 +8210,7 @@
     </p:spTree>
     <p:extLst>
       <p:ext uri="{BB962C8B-B14F-4D97-AF65-F5344CB8AC3E}">
-        <p14:creationId xmlns:p14="http://schemas.microsoft.com/office/powerpoint/2010/main" xmlns="" val="1424189538"/>
+        <p14:creationId xmlns="" xmlns:p14="http://schemas.microsoft.com/office/powerpoint/2010/main" val="1424189538"/>
       </p:ext>
     </p:extLst>
   </p:cSld>
@@ -8233,7 +8218,7 @@
     <a:masterClrMapping/>
   </p:clrMapOvr>
   <mc:AlternateContent xmlns:mc="http://schemas.openxmlformats.org/markup-compatibility/2006">
-    <mc:Choice xmlns:p14="http://schemas.microsoft.com/office/powerpoint/2010/main" xmlns="" Requires="p14">
+    <mc:Choice xmlns="" xmlns:p14="http://schemas.microsoft.com/office/powerpoint/2010/main" Requires="p14">
       <p:transition p14:dur="10"/>
     </mc:Choice>
     <mc:Fallback>
@@ -8496,7 +8481,7 @@
     </p:spTree>
     <p:extLst>
       <p:ext uri="{BB962C8B-B14F-4D97-AF65-F5344CB8AC3E}">
-        <p14:creationId xmlns:p14="http://schemas.microsoft.com/office/powerpoint/2010/main" xmlns="" val="1336546276"/>
+        <p14:creationId xmlns="" xmlns:p14="http://schemas.microsoft.com/office/powerpoint/2010/main" val="1336546276"/>
       </p:ext>
     </p:extLst>
   </p:cSld>
@@ -8504,7 +8489,7 @@
     <a:masterClrMapping/>
   </p:clrMapOvr>
   <mc:AlternateContent xmlns:mc="http://schemas.openxmlformats.org/markup-compatibility/2006">
-    <mc:Choice xmlns:p14="http://schemas.microsoft.com/office/powerpoint/2010/main" xmlns="" Requires="p14">
+    <mc:Choice xmlns="" xmlns:p14="http://schemas.microsoft.com/office/powerpoint/2010/main" Requires="p14">
       <p:transition p14:dur="10"/>
     </mc:Choice>
     <mc:Fallback>
@@ -8722,7 +8707,7 @@
     </p:spTree>
     <p:extLst>
       <p:ext uri="{BB962C8B-B14F-4D97-AF65-F5344CB8AC3E}">
-        <p14:creationId xmlns:p14="http://schemas.microsoft.com/office/powerpoint/2010/main" xmlns="" val="2788988127"/>
+        <p14:creationId xmlns="" xmlns:p14="http://schemas.microsoft.com/office/powerpoint/2010/main" val="2788988127"/>
       </p:ext>
     </p:extLst>
   </p:cSld>
@@ -8730,7 +8715,7 @@
     <a:masterClrMapping/>
   </p:clrMapOvr>
   <mc:AlternateContent xmlns:mc="http://schemas.openxmlformats.org/markup-compatibility/2006">
-    <mc:Choice xmlns:p14="http://schemas.microsoft.com/office/powerpoint/2010/main" xmlns="" Requires="p14">
+    <mc:Choice xmlns="" xmlns:p14="http://schemas.microsoft.com/office/powerpoint/2010/main" Requires="p14">
       <p:transition p14:dur="10"/>
     </mc:Choice>
     <mc:Fallback>
@@ -9317,7 +9302,7 @@
     </p:spTree>
     <p:extLst>
       <p:ext uri="{BB962C8B-B14F-4D97-AF65-F5344CB8AC3E}">
-        <p14:creationId xmlns:p14="http://schemas.microsoft.com/office/powerpoint/2010/main" xmlns="" val="1405177657"/>
+        <p14:creationId xmlns="" xmlns:p14="http://schemas.microsoft.com/office/powerpoint/2010/main" val="1405177657"/>
       </p:ext>
     </p:extLst>
   </p:cSld>
@@ -9665,7 +9650,7 @@
     </p:spTree>
     <p:extLst>
       <p:ext uri="{BB962C8B-B14F-4D97-AF65-F5344CB8AC3E}">
-        <p14:creationId xmlns:p14="http://schemas.microsoft.com/office/powerpoint/2010/main" xmlns="" val="1232599275"/>
+        <p14:creationId xmlns="" xmlns:p14="http://schemas.microsoft.com/office/powerpoint/2010/main" val="1232599275"/>
       </p:ext>
     </p:extLst>
   </p:cSld>
@@ -9673,7 +9658,7 @@
     <a:masterClrMapping/>
   </p:clrMapOvr>
   <mc:AlternateContent xmlns:mc="http://schemas.openxmlformats.org/markup-compatibility/2006">
-    <mc:Choice xmlns:p14="http://schemas.microsoft.com/office/powerpoint/2010/main" xmlns="" Requires="p14">
+    <mc:Choice xmlns="" xmlns:p14="http://schemas.microsoft.com/office/powerpoint/2010/main" Requires="p14">
       <p:transition p14:dur="10"/>
     </mc:Choice>
     <mc:Fallback>
@@ -10356,7 +10341,7 @@
     </p:spTree>
     <p:extLst>
       <p:ext uri="{BB962C8B-B14F-4D97-AF65-F5344CB8AC3E}">
-        <p14:creationId xmlns:p14="http://schemas.microsoft.com/office/powerpoint/2010/main" xmlns="" val="2153401368"/>
+        <p14:creationId xmlns="" xmlns:p14="http://schemas.microsoft.com/office/powerpoint/2010/main" val="2153401368"/>
       </p:ext>
     </p:extLst>
   </p:cSld>
@@ -10364,7 +10349,7 @@
     <a:masterClrMapping/>
   </p:clrMapOvr>
   <mc:AlternateContent xmlns:mc="http://schemas.openxmlformats.org/markup-compatibility/2006">
-    <mc:Choice xmlns:p14="http://schemas.microsoft.com/office/powerpoint/2010/main" xmlns="" Requires="p14">
+    <mc:Choice xmlns="" xmlns:p14="http://schemas.microsoft.com/office/powerpoint/2010/main" Requires="p14">
       <p:transition p14:dur="0"/>
     </mc:Choice>
     <mc:Fallback>
@@ -10415,11 +10400,7 @@
           <a:p>
             <a:r>
               <a:rPr lang="pl-PL" dirty="0" smtClean="0"/>
-              <a:t>Język </a:t>
-            </a:r>
-            <a:r>
-              <a:rPr lang="pl-PL" dirty="0" smtClean="0"/>
-              <a:t>WSDL – przykładowy plik</a:t>
+              <a:t>Język WSDL – przykładowy plik</a:t>
             </a:r>
             <a:endParaRPr lang="de-DE" dirty="0"/>
           </a:p>
@@ -10489,7 +10470,6 @@
               <a:rPr lang="pl-PL" dirty="0" smtClean="0"/>
               <a:t> version="1.0" encoding="UTF-8"?&gt; </a:t>
             </a:r>
-            <a:endParaRPr lang="pl-PL" dirty="0" smtClean="0"/>
           </a:p>
           <a:p>
             <a:r>
@@ -10530,11 +10510,7 @@
             </a:r>
             <a:r>
               <a:rPr lang="pl-PL" dirty="0" err="1" smtClean="0"/>
-              <a:t>xmlns:tns</a:t>
-            </a:r>
-            <a:r>
-              <a:rPr lang="pl-PL" dirty="0" err="1" smtClean="0"/>
-              <a:t>="http</a:t>
+              <a:t>xmlns:tns="http</a:t>
             </a:r>
             <a:r>
               <a:rPr lang="pl-PL" dirty="0" smtClean="0"/>
@@ -10628,7 +10604,6 @@
               <a:rPr lang="pl-PL" dirty="0" smtClean="0"/>
               <a:t> </a:t>
             </a:r>
-            <a:endParaRPr lang="pl-PL" dirty="0" smtClean="0"/>
           </a:p>
           <a:p>
             <a:r>
@@ -10719,7 +10694,7 @@
     </p:spTree>
     <p:extLst>
       <p:ext uri="{BB962C8B-B14F-4D97-AF65-F5344CB8AC3E}">
-        <p14:creationId xmlns:p14="http://schemas.microsoft.com/office/powerpoint/2010/main" xmlns="" val="2153401368"/>
+        <p14:creationId xmlns="" xmlns:p14="http://schemas.microsoft.com/office/powerpoint/2010/main" val="2153401368"/>
       </p:ext>
     </p:extLst>
   </p:cSld>
@@ -10727,7 +10702,7 @@
     <a:masterClrMapping/>
   </p:clrMapOvr>
   <mc:AlternateContent xmlns:mc="http://schemas.openxmlformats.org/markup-compatibility/2006">
-    <mc:Choice xmlns:p14="http://schemas.microsoft.com/office/powerpoint/2010/main" xmlns="" Requires="p14">
+    <mc:Choice xmlns="" xmlns:p14="http://schemas.microsoft.com/office/powerpoint/2010/main" Requires="p14">
       <p:transition p14:dur="0"/>
     </mc:Choice>
     <mc:Fallback>
@@ -10778,11 +10753,7 @@
           <a:p>
             <a:r>
               <a:rPr lang="pl-PL" dirty="0" smtClean="0"/>
-              <a:t>Język </a:t>
-            </a:r>
-            <a:r>
-              <a:rPr lang="pl-PL" dirty="0" smtClean="0"/>
-              <a:t>WSDL – przykładowy plik</a:t>
+              <a:t>Język WSDL – przykładowy plik</a:t>
             </a:r>
             <a:endParaRPr lang="de-DE" dirty="0"/>
           </a:p>
@@ -10852,7 +10823,6 @@
               <a:rPr lang="pl-PL" dirty="0" smtClean="0"/>
               <a:t> version="1.0" encoding="UTF-8"?&gt; </a:t>
             </a:r>
-            <a:endParaRPr lang="pl-PL" dirty="0" smtClean="0"/>
           </a:p>
           <a:p>
             <a:r>
@@ -10865,11 +10835,7 @@
             </a:r>
             <a:r>
               <a:rPr lang="pl-PL" dirty="0" smtClean="0"/>
-              <a:t> </a:t>
-            </a:r>
-            <a:r>
-              <a:rPr lang="pl-PL" dirty="0" smtClean="0"/>
-              <a:t>…</a:t>
+              <a:t> …</a:t>
             </a:r>
             <a:r>
               <a:rPr lang="pl-PL" b="1" dirty="0" smtClean="0"/>
@@ -10903,7 +10869,6 @@
               <a:rPr lang="pl-PL" dirty="0" smtClean="0"/>
               <a:t> </a:t>
             </a:r>
-            <a:endParaRPr lang="pl-PL" dirty="0" smtClean="0"/>
           </a:p>
           <a:p>
             <a:pPr lvl="1"/>
@@ -10975,7 +10940,6 @@
               <a:rPr lang="pl-PL" dirty="0" smtClean="0"/>
               <a:t> </a:t>
             </a:r>
-            <a:endParaRPr lang="pl-PL" dirty="0" smtClean="0"/>
           </a:p>
           <a:p>
             <a:pPr lvl="2"/>
@@ -11023,7 +10987,6 @@
               <a:rPr lang="pl-PL" dirty="0" smtClean="0"/>
               <a:t> </a:t>
             </a:r>
-            <a:endParaRPr lang="pl-PL" dirty="0" smtClean="0"/>
           </a:p>
           <a:p>
             <a:pPr lvl="2"/>
@@ -11071,7 +11034,6 @@
               <a:rPr lang="pl-PL" dirty="0" smtClean="0"/>
               <a:t> </a:t>
             </a:r>
-            <a:endParaRPr lang="pl-PL" dirty="0" smtClean="0"/>
           </a:p>
           <a:p>
             <a:pPr lvl="1"/>
@@ -11091,7 +11053,6 @@
               <a:rPr lang="pl-PL" dirty="0" smtClean="0"/>
               <a:t> </a:t>
             </a:r>
-            <a:endParaRPr lang="pl-PL" dirty="0" smtClean="0"/>
           </a:p>
           <a:p>
             <a:r>
@@ -11139,7 +11100,7 @@
     </p:spTree>
     <p:extLst>
       <p:ext uri="{BB962C8B-B14F-4D97-AF65-F5344CB8AC3E}">
-        <p14:creationId xmlns:p14="http://schemas.microsoft.com/office/powerpoint/2010/main" xmlns="" val="2153401368"/>
+        <p14:creationId xmlns="" xmlns:p14="http://schemas.microsoft.com/office/powerpoint/2010/main" val="2153401368"/>
       </p:ext>
     </p:extLst>
   </p:cSld>
@@ -11147,7 +11108,7 @@
     <a:masterClrMapping/>
   </p:clrMapOvr>
   <mc:AlternateContent xmlns:mc="http://schemas.openxmlformats.org/markup-compatibility/2006">
-    <mc:Choice xmlns:p14="http://schemas.microsoft.com/office/powerpoint/2010/main" xmlns="" Requires="p14">
+    <mc:Choice xmlns="" xmlns:p14="http://schemas.microsoft.com/office/powerpoint/2010/main" Requires="p14">
       <p:transition p14:dur="0"/>
     </mc:Choice>
     <mc:Fallback>
@@ -11198,11 +11159,7 @@
           <a:p>
             <a:r>
               <a:rPr lang="pl-PL" dirty="0" smtClean="0"/>
-              <a:t>Język </a:t>
-            </a:r>
-            <a:r>
-              <a:rPr lang="pl-PL" dirty="0" smtClean="0"/>
-              <a:t>WSDL – przykładowy plik</a:t>
+              <a:t>Język WSDL – przykładowy plik</a:t>
             </a:r>
             <a:endParaRPr lang="de-DE" dirty="0"/>
           </a:p>
@@ -11272,7 +11229,6 @@
               <a:rPr lang="pl-PL" dirty="0" smtClean="0"/>
               <a:t> version="1.0" encoding="UTF-8"?&gt; </a:t>
             </a:r>
-            <a:endParaRPr lang="pl-PL" dirty="0" smtClean="0"/>
           </a:p>
           <a:p>
             <a:r>
@@ -11285,11 +11241,7 @@
             </a:r>
             <a:r>
               <a:rPr lang="pl-PL" dirty="0" smtClean="0"/>
-              <a:t> </a:t>
-            </a:r>
-            <a:r>
-              <a:rPr lang="pl-PL" dirty="0" smtClean="0"/>
-              <a:t>…</a:t>
+              <a:t> …</a:t>
             </a:r>
             <a:r>
               <a:rPr lang="pl-PL" b="1" dirty="0" smtClean="0"/>
@@ -11327,7 +11279,6 @@
               <a:rPr lang="pl-PL" dirty="0" smtClean="0"/>
               <a:t> </a:t>
             </a:r>
-            <a:endParaRPr lang="pl-PL" dirty="0" smtClean="0"/>
           </a:p>
           <a:p>
             <a:pPr lvl="1"/>
@@ -11359,7 +11310,6 @@
               <a:rPr lang="pl-PL" dirty="0" smtClean="0"/>
               <a:t> </a:t>
             </a:r>
-            <a:endParaRPr lang="pl-PL" dirty="0" smtClean="0"/>
           </a:p>
           <a:p>
             <a:pPr lvl="1"/>
@@ -11423,7 +11373,6 @@
               <a:rPr lang="pl-PL" dirty="0" smtClean="0"/>
               <a:t> </a:t>
             </a:r>
-            <a:endParaRPr lang="pl-PL" dirty="0" smtClean="0"/>
           </a:p>
           <a:p>
             <a:pPr lvl="2"/>
@@ -11463,7 +11412,6 @@
               <a:rPr lang="pl-PL" dirty="0" smtClean="0"/>
               <a:t> </a:t>
             </a:r>
-            <a:endParaRPr lang="pl-PL" dirty="0" smtClean="0"/>
           </a:p>
           <a:p>
             <a:pPr lvl="2"/>
@@ -11503,7 +11451,6 @@
               <a:rPr lang="pl-PL" dirty="0" smtClean="0"/>
               <a:t> </a:t>
             </a:r>
-            <a:endParaRPr lang="pl-PL" dirty="0" smtClean="0"/>
           </a:p>
           <a:p>
             <a:pPr lvl="1"/>
@@ -11533,7 +11480,6 @@
               <a:rPr lang="pl-PL" b="1" dirty="0" smtClean="0"/>
               <a:t>&gt; </a:t>
             </a:r>
-            <a:endParaRPr lang="pl-PL" b="1" dirty="0" smtClean="0"/>
           </a:p>
           <a:p>
             <a:r>
@@ -11562,7 +11508,7 @@
     </p:spTree>
     <p:extLst>
       <p:ext uri="{BB962C8B-B14F-4D97-AF65-F5344CB8AC3E}">
-        <p14:creationId xmlns:p14="http://schemas.microsoft.com/office/powerpoint/2010/main" xmlns="" val="2153401368"/>
+        <p14:creationId xmlns="" xmlns:p14="http://schemas.microsoft.com/office/powerpoint/2010/main" val="2153401368"/>
       </p:ext>
     </p:extLst>
   </p:cSld>
@@ -11570,7 +11516,7 @@
     <a:masterClrMapping/>
   </p:clrMapOvr>
   <mc:AlternateContent xmlns:mc="http://schemas.openxmlformats.org/markup-compatibility/2006">
-    <mc:Choice xmlns:p14="http://schemas.microsoft.com/office/powerpoint/2010/main" xmlns="" Requires="p14">
+    <mc:Choice xmlns="" xmlns:p14="http://schemas.microsoft.com/office/powerpoint/2010/main" Requires="p14">
       <p:transition p14:dur="0"/>
     </mc:Choice>
     <mc:Fallback>
@@ -11621,11 +11567,7 @@
           <a:p>
             <a:r>
               <a:rPr lang="pl-PL" dirty="0" smtClean="0"/>
-              <a:t>Język </a:t>
-            </a:r>
-            <a:r>
-              <a:rPr lang="pl-PL" dirty="0" smtClean="0"/>
-              <a:t>WSDL – przykładowy plik</a:t>
+              <a:t>Język WSDL – przykładowy plik</a:t>
             </a:r>
             <a:endParaRPr lang="de-DE" dirty="0"/>
           </a:p>
@@ -11672,7 +11614,7 @@
         </p:spPr>
         <p:txBody>
           <a:bodyPr>
-            <a:normAutofit fontScale="92500" lnSpcReduction="20000"/>
+            <a:normAutofit fontScale="92500" lnSpcReduction="10000"/>
           </a:bodyPr>
           <a:lstStyle/>
           <a:p>
@@ -11695,7 +11637,6 @@
               <a:rPr lang="pl-PL" dirty="0" smtClean="0"/>
               <a:t> version="1.0" encoding="UTF-8"?&gt; </a:t>
             </a:r>
-            <a:endParaRPr lang="pl-PL" dirty="0" smtClean="0"/>
           </a:p>
           <a:p>
             <a:r>
@@ -11708,11 +11649,7 @@
             </a:r>
             <a:r>
               <a:rPr lang="pl-PL" dirty="0" smtClean="0"/>
-              <a:t> </a:t>
-            </a:r>
-            <a:r>
-              <a:rPr lang="pl-PL" dirty="0" smtClean="0"/>
-              <a:t>…</a:t>
+              <a:t> …</a:t>
             </a:r>
             <a:r>
               <a:rPr lang="pl-PL" b="1" dirty="0" smtClean="0"/>
@@ -11744,7 +11681,43 @@
             </a:r>
             <a:r>
               <a:rPr lang="en-US" dirty="0" smtClean="0"/>
-              <a:t>" interface="tns:Interface1" type="http://www.w3.org/ns/wsdl/http</a:t>
+              <a:t>" interface="tns:Interface1" type="http://www.w3.org/ns/wsdl/http"</a:t>
+            </a:r>
+            <a:r>
+              <a:rPr lang="en-US" b="1" dirty="0" smtClean="0"/>
+              <a:t>&gt;</a:t>
+            </a:r>
+            <a:endParaRPr lang="pl-PL" dirty="0" smtClean="0"/>
+          </a:p>
+          <a:p>
+            <a:pPr lvl="1"/>
+            <a:r>
+              <a:rPr lang="en-US" b="1" dirty="0" smtClean="0"/>
+              <a:t>&lt;</a:t>
+            </a:r>
+            <a:r>
+              <a:rPr lang="en-US" b="1" dirty="0" smtClean="0"/>
+              <a:t>operation</a:t>
+            </a:r>
+            <a:r>
+              <a:rPr lang="en-US" dirty="0" smtClean="0"/>
+              <a:t> ref="</a:t>
+            </a:r>
+            <a:r>
+              <a:rPr lang="en-US" dirty="0" err="1" smtClean="0"/>
+              <a:t>tns:Get</a:t>
+            </a:r>
+            <a:r>
+              <a:rPr lang="en-US" dirty="0" smtClean="0"/>
+              <a:t>" </a:t>
+            </a:r>
+            <a:r>
+              <a:rPr lang="en-US" dirty="0" err="1" smtClean="0"/>
+              <a:t>whttp:method</a:t>
+            </a:r>
+            <a:r>
+              <a:rPr lang="en-US" dirty="0" smtClean="0"/>
+              <a:t>="GET</a:t>
             </a:r>
             <a:r>
               <a:rPr lang="en-US" dirty="0" smtClean="0"/>
@@ -11752,12 +11725,18 @@
             </a:r>
             <a:r>
               <a:rPr lang="en-US" b="1" dirty="0" smtClean="0"/>
-              <a:t>&gt;</a:t>
+              <a:t>/&gt;</a:t>
             </a:r>
             <a:endParaRPr lang="pl-PL" dirty="0" smtClean="0"/>
           </a:p>
           <a:p>
-            <a:pPr lvl="1"/>
+            <a:r>
+              <a:rPr lang="en-US" b="1" dirty="0" smtClean="0"/>
+              <a:t>&lt;/binding&gt;</a:t>
+            </a:r>
+            <a:endParaRPr lang="pl-PL" b="1" dirty="0" smtClean="0"/>
+          </a:p>
+          <a:p>
             <a:r>
               <a:rPr lang="en-US" b="1" dirty="0" smtClean="0"/>
               <a:t>&lt;binding</a:t>
@@ -11768,11 +11747,27 @@
             </a:r>
             <a:r>
               <a:rPr lang="en-US" dirty="0" err="1" smtClean="0"/>
-              <a:t>HttpBinding</a:t>
+              <a:t>SoapBinding</a:t>
             </a:r>
             <a:r>
               <a:rPr lang="en-US" dirty="0" smtClean="0"/>
-              <a:t>" interface="tns:Interface1" type="http://www.w3.org/ns/wsdl/http"</a:t>
+              <a:t>" interface="tns:Interface1" type="http://www.w3.org/ns/wsdl/soap" </a:t>
+            </a:r>
+            <a:r>
+              <a:rPr lang="en-US" dirty="0" err="1" smtClean="0"/>
+              <a:t>wsoap:protocol</a:t>
+            </a:r>
+            <a:r>
+              <a:rPr lang="en-US" dirty="0" smtClean="0"/>
+              <a:t>="http://www.w3.org/2003/05/soap/bindings/HTTP/" </a:t>
+            </a:r>
+            <a:r>
+              <a:rPr lang="en-US" dirty="0" err="1" smtClean="0"/>
+              <a:t>wsoap:mepDefault</a:t>
+            </a:r>
+            <a:r>
+              <a:rPr lang="en-US" dirty="0" smtClean="0"/>
+              <a:t>="http://www.w3.org/2003/05/soap/mep/request-response"</a:t>
             </a:r>
             <a:r>
               <a:rPr lang="en-US" b="1" dirty="0" smtClean="0"/>
@@ -11782,6 +11777,10 @@
               <a:rPr lang="en-US" dirty="0" smtClean="0"/>
               <a:t> </a:t>
             </a:r>
+            <a:endParaRPr lang="pl-PL" dirty="0" smtClean="0"/>
+          </a:p>
+          <a:p>
+            <a:pPr lvl="1"/>
             <a:r>
               <a:rPr lang="en-US" b="1" dirty="0" smtClean="0"/>
               <a:t>&lt;operation</a:t>
@@ -11799,14 +11798,6 @@
               <a:t>" </a:t>
             </a:r>
             <a:r>
-              <a:rPr lang="en-US" dirty="0" err="1" smtClean="0"/>
-              <a:t>whttp:method</a:t>
-            </a:r>
-            <a:r>
-              <a:rPr lang="en-US" dirty="0" smtClean="0"/>
-              <a:t>="GET"</a:t>
-            </a:r>
-            <a:r>
               <a:rPr lang="en-US" b="1" dirty="0" smtClean="0"/>
               <a:t>/&gt;</a:t>
             </a:r>
@@ -11814,146 +11805,12 @@
               <a:rPr lang="en-US" dirty="0" smtClean="0"/>
               <a:t> </a:t>
             </a:r>
+            <a:endParaRPr lang="pl-PL" dirty="0" smtClean="0"/>
+          </a:p>
+          <a:p>
             <a:r>
               <a:rPr lang="en-US" b="1" dirty="0" smtClean="0"/>
-              <a:t>&lt;/binding&gt; </a:t>
-            </a:r>
-            <a:r>
-              <a:rPr lang="en-US" b="1" dirty="0" smtClean="0"/>
-              <a:t>&lt;</a:t>
-            </a:r>
-            <a:r>
-              <a:rPr lang="en-US" b="1" dirty="0" smtClean="0"/>
-              <a:t>operation</a:t>
-            </a:r>
-            <a:r>
-              <a:rPr lang="en-US" dirty="0" smtClean="0"/>
-              <a:t> ref="</a:t>
-            </a:r>
-            <a:r>
-              <a:rPr lang="en-US" dirty="0" err="1" smtClean="0"/>
-              <a:t>tns:Get</a:t>
-            </a:r>
-            <a:r>
-              <a:rPr lang="en-US" dirty="0" smtClean="0"/>
-              <a:t>" </a:t>
-            </a:r>
-            <a:r>
-              <a:rPr lang="en-US" dirty="0" err="1" smtClean="0"/>
-              <a:t>whttp:method</a:t>
-            </a:r>
-            <a:r>
-              <a:rPr lang="en-US" dirty="0" smtClean="0"/>
-              <a:t>="GET"</a:t>
-            </a:r>
-            <a:r>
-              <a:rPr lang="en-US" b="1" dirty="0" smtClean="0"/>
-              <a:t>/&gt;</a:t>
-            </a:r>
-            <a:r>
-              <a:rPr lang="en-US" dirty="0" smtClean="0"/>
-              <a:t> </a:t>
-            </a:r>
-            <a:endParaRPr lang="pl-PL" dirty="0" smtClean="0"/>
-          </a:p>
-          <a:p>
-            <a:r>
-              <a:rPr lang="en-US" b="1" dirty="0" smtClean="0"/>
-              <a:t>&lt;/</a:t>
-            </a:r>
-            <a:r>
-              <a:rPr lang="en-US" b="1" dirty="0" smtClean="0"/>
-              <a:t>binding</a:t>
-            </a:r>
-            <a:r>
-              <a:rPr lang="en-US" b="1" dirty="0" smtClean="0"/>
-              <a:t>&gt;</a:t>
-            </a:r>
-            <a:endParaRPr lang="pl-PL" b="1" dirty="0" smtClean="0"/>
-          </a:p>
-          <a:p>
-            <a:r>
-              <a:rPr lang="en-US" b="1" dirty="0" smtClean="0"/>
-              <a:t>&lt;binding</a:t>
-            </a:r>
-            <a:r>
-              <a:rPr lang="en-US" dirty="0" smtClean="0"/>
-              <a:t> name="</a:t>
-            </a:r>
-            <a:r>
-              <a:rPr lang="en-US" dirty="0" err="1" smtClean="0"/>
-              <a:t>SoapBinding</a:t>
-            </a:r>
-            <a:r>
-              <a:rPr lang="en-US" dirty="0" smtClean="0"/>
-              <a:t>" interface="tns:Interface1" type="http://www.w3.org/ns/wsdl/soap" </a:t>
-            </a:r>
-            <a:r>
-              <a:rPr lang="en-US" dirty="0" err="1" smtClean="0"/>
-              <a:t>wsoap:protocol</a:t>
-            </a:r>
-            <a:r>
-              <a:rPr lang="en-US" dirty="0" smtClean="0"/>
-              <a:t>="http://www.w3.org/2003/05/soap/bindings/HTTP/" </a:t>
-            </a:r>
-            <a:r>
-              <a:rPr lang="en-US" dirty="0" err="1" smtClean="0"/>
-              <a:t>wsoap:mepDefault</a:t>
-            </a:r>
-            <a:r>
-              <a:rPr lang="en-US" dirty="0" smtClean="0"/>
-              <a:t>="http://www.w3.org/2003/05/soap/mep/request-response"</a:t>
-            </a:r>
-            <a:r>
-              <a:rPr lang="en-US" b="1" dirty="0" smtClean="0"/>
-              <a:t>&gt;</a:t>
-            </a:r>
-            <a:r>
-              <a:rPr lang="en-US" dirty="0" smtClean="0"/>
-              <a:t> </a:t>
-            </a:r>
-            <a:endParaRPr lang="pl-PL" dirty="0" smtClean="0"/>
-          </a:p>
-          <a:p>
-            <a:pPr lvl="1"/>
-            <a:r>
-              <a:rPr lang="en-US" b="1" dirty="0" smtClean="0"/>
-              <a:t>&lt;</a:t>
-            </a:r>
-            <a:r>
-              <a:rPr lang="en-US" b="1" dirty="0" smtClean="0"/>
-              <a:t>operation</a:t>
-            </a:r>
-            <a:r>
-              <a:rPr lang="en-US" dirty="0" smtClean="0"/>
-              <a:t> ref="</a:t>
-            </a:r>
-            <a:r>
-              <a:rPr lang="en-US" dirty="0" err="1" smtClean="0"/>
-              <a:t>tns:Get</a:t>
-            </a:r>
-            <a:r>
-              <a:rPr lang="en-US" dirty="0" smtClean="0"/>
-              <a:t>" </a:t>
-            </a:r>
-            <a:r>
-              <a:rPr lang="en-US" b="1" dirty="0" smtClean="0"/>
-              <a:t>/&gt;</a:t>
-            </a:r>
-            <a:r>
-              <a:rPr lang="en-US" dirty="0" smtClean="0"/>
-              <a:t> </a:t>
-            </a:r>
-            <a:endParaRPr lang="pl-PL" dirty="0" smtClean="0"/>
-          </a:p>
-          <a:p>
-            <a:r>
-              <a:rPr lang="en-US" b="1" dirty="0" smtClean="0"/>
-              <a:t>&lt;/</a:t>
-            </a:r>
-            <a:r>
-              <a:rPr lang="en-US" b="1" dirty="0" smtClean="0"/>
-              <a:t>binding&gt;</a:t>
+              <a:t>&lt;/binding&gt;</a:t>
             </a:r>
             <a:endParaRPr lang="pl-PL" b="1" dirty="0" smtClean="0"/>
           </a:p>
@@ -11984,7 +11841,7 @@
     </p:spTree>
     <p:extLst>
       <p:ext uri="{BB962C8B-B14F-4D97-AF65-F5344CB8AC3E}">
-        <p14:creationId xmlns:p14="http://schemas.microsoft.com/office/powerpoint/2010/main" xmlns="" val="2153401368"/>
+        <p14:creationId xmlns="" xmlns:p14="http://schemas.microsoft.com/office/powerpoint/2010/main" val="2153401368"/>
       </p:ext>
     </p:extLst>
   </p:cSld>
@@ -11992,7 +11849,7 @@
     <a:masterClrMapping/>
   </p:clrMapOvr>
   <mc:AlternateContent xmlns:mc="http://schemas.openxmlformats.org/markup-compatibility/2006">
-    <mc:Choice xmlns:p14="http://schemas.microsoft.com/office/powerpoint/2010/main" xmlns="" Requires="p14">
+    <mc:Choice xmlns="" xmlns:p14="http://schemas.microsoft.com/office/powerpoint/2010/main" Requires="p14">
       <p:transition p14:dur="0"/>
     </mc:Choice>
     <mc:Fallback>
@@ -12043,11 +11900,7 @@
           <a:p>
             <a:r>
               <a:rPr lang="pl-PL" dirty="0" smtClean="0"/>
-              <a:t>Język </a:t>
-            </a:r>
-            <a:r>
-              <a:rPr lang="pl-PL" dirty="0" smtClean="0"/>
-              <a:t>WSDL – przykładowy plik</a:t>
+              <a:t>Język WSDL – przykładowy plik</a:t>
             </a:r>
             <a:endParaRPr lang="de-DE" dirty="0"/>
           </a:p>
@@ -12117,7 +11970,6 @@
               <a:rPr lang="pl-PL" dirty="0" smtClean="0"/>
               <a:t> version="1.0" encoding="UTF-8"?&gt; </a:t>
             </a:r>
-            <a:endParaRPr lang="pl-PL" dirty="0" smtClean="0"/>
           </a:p>
           <a:p>
             <a:r>
@@ -12130,11 +11982,7 @@
             </a:r>
             <a:r>
               <a:rPr lang="pl-PL" dirty="0" smtClean="0"/>
-              <a:t> </a:t>
-            </a:r>
-            <a:r>
-              <a:rPr lang="pl-PL" dirty="0" smtClean="0"/>
-              <a:t>…</a:t>
+              <a:t> …</a:t>
             </a:r>
             <a:r>
               <a:rPr lang="pl-PL" b="1" dirty="0" smtClean="0"/>
@@ -12168,7 +12016,6 @@
               <a:rPr lang="pl-PL" dirty="0" smtClean="0"/>
               <a:t> </a:t>
             </a:r>
-            <a:endParaRPr lang="pl-PL" dirty="0" smtClean="0"/>
           </a:p>
           <a:p>
             <a:pPr lvl="1"/>
@@ -12224,7 +12071,6 @@
               <a:rPr lang="pl-PL" dirty="0" smtClean="0"/>
               <a:t> </a:t>
             </a:r>
-            <a:endParaRPr lang="pl-PL" dirty="0" smtClean="0"/>
           </a:p>
           <a:p>
             <a:pPr lvl="1"/>
@@ -12288,18 +12134,12 @@
               <a:rPr lang="pl-PL" dirty="0" smtClean="0"/>
               <a:t> </a:t>
             </a:r>
-            <a:endParaRPr lang="pl-PL" dirty="0" smtClean="0"/>
           </a:p>
           <a:p>
             <a:r>
               <a:rPr lang="pl-PL" b="1" dirty="0" smtClean="0"/>
-              <a:t>&lt;/</a:t>
-            </a:r>
-            <a:r>
-              <a:rPr lang="pl-PL" b="1" dirty="0" smtClean="0"/>
-              <a:t>service&gt; </a:t>
-            </a:r>
-            <a:endParaRPr lang="pl-PL" b="1" dirty="0" smtClean="0"/>
+              <a:t>&lt;/service&gt; </a:t>
+            </a:r>
           </a:p>
           <a:p>
             <a:r>
@@ -12328,7 +12168,7 @@
     </p:spTree>
     <p:extLst>
       <p:ext uri="{BB962C8B-B14F-4D97-AF65-F5344CB8AC3E}">
-        <p14:creationId xmlns:p14="http://schemas.microsoft.com/office/powerpoint/2010/main" xmlns="" val="2153401368"/>
+        <p14:creationId xmlns="" xmlns:p14="http://schemas.microsoft.com/office/powerpoint/2010/main" val="2153401368"/>
       </p:ext>
     </p:extLst>
   </p:cSld>
@@ -12336,7 +12176,7 @@
     <a:masterClrMapping/>
   </p:clrMapOvr>
   <mc:AlternateContent xmlns:mc="http://schemas.openxmlformats.org/markup-compatibility/2006">
-    <mc:Choice xmlns:p14="http://schemas.microsoft.com/office/powerpoint/2010/main" xmlns="" Requires="p14">
+    <mc:Choice xmlns="" xmlns:p14="http://schemas.microsoft.com/office/powerpoint/2010/main" Requires="p14">
       <p:transition p14:dur="0"/>
     </mc:Choice>
     <mc:Fallback>
@@ -12625,7 +12465,7 @@
   <a:extraClrSchemeLst/>
   <a:extLst>
     <a:ext uri="{05A4C25C-085E-4340-85A3-A5531E510DB2}">
-      <thm15:themeFamily xmlns:thm15="http://schemas.microsoft.com/office/thememl/2012/main" xmlns="" name="GFT_Chartpool_2015.pptx" id="{A28C9458-9558-44C8-89F4-D7A2CBC04405}" vid="{0F156D25-70FA-498B-891B-4FDE46BF1046}"/>
+      <thm15:themeFamily xmlns="" xmlns:thm15="http://schemas.microsoft.com/office/thememl/2012/main" name="GFT_Chartpool_2015.pptx" id="{A28C9458-9558-44C8-89F4-D7A2CBC04405}" vid="{0F156D25-70FA-498B-891B-4FDE46BF1046}"/>
     </a:ext>
   </a:extLst>
 </a:theme>
@@ -13272,61 +13112,6 @@
 </file>
 
 <file path=customXml/item1.xml><?xml version="1.0" encoding="utf-8"?>
-<?mso-contentType ?>
-<spe:Receivers xmlns:spe="http://schemas.microsoft.com/sharepoint/events">
-  <Receiver>
-    <Name>Document ID Generator</Name>
-    <Synchronization>Synchronous</Synchronization>
-    <Type>10001</Type>
-    <SequenceNumber>1000</SequenceNumber>
-    <Assembly>Microsoft.Office.DocumentManagement, Version=14.0.0.0, Culture=neutral, PublicKeyToken=71e9bce111e9429c</Assembly>
-    <Class>Microsoft.Office.DocumentManagement.Internal.DocIdHandler</Class>
-    <Data/>
-    <Filter/>
-  </Receiver>
-  <Receiver>
-    <Name>Document ID Generator</Name>
-    <Synchronization>Synchronous</Synchronization>
-    <Type>10002</Type>
-    <SequenceNumber>1001</SequenceNumber>
-    <Assembly>Microsoft.Office.DocumentManagement, Version=14.0.0.0, Culture=neutral, PublicKeyToken=71e9bce111e9429c</Assembly>
-    <Class>Microsoft.Office.DocumentManagement.Internal.DocIdHandler</Class>
-    <Data/>
-    <Filter/>
-  </Receiver>
-  <Receiver>
-    <Name>Document ID Generator</Name>
-    <Synchronization>Synchronous</Synchronization>
-    <Type>10004</Type>
-    <SequenceNumber>1002</SequenceNumber>
-    <Assembly>Microsoft.Office.DocumentManagement, Version=14.0.0.0, Culture=neutral, PublicKeyToken=71e9bce111e9429c</Assembly>
-    <Class>Microsoft.Office.DocumentManagement.Internal.DocIdHandler</Class>
-    <Data/>
-    <Filter/>
-  </Receiver>
-  <Receiver>
-    <Name>Document ID Generator</Name>
-    <Synchronization>Synchronous</Synchronization>
-    <Type>10006</Type>
-    <SequenceNumber>1003</SequenceNumber>
-    <Assembly>Microsoft.Office.DocumentManagement, Version=14.0.0.0, Culture=neutral, PublicKeyToken=71e9bce111e9429c</Assembly>
-    <Class>Microsoft.Office.DocumentManagement.Internal.DocIdHandler</Class>
-    <Data/>
-    <Filter/>
-  </Receiver>
-</spe:Receivers>
-</file>
-
-<file path=customXml/item2.xml><?xml version="1.0" encoding="utf-8"?>
-<?mso-contentType ?>
-<FormTemplates xmlns="http://schemas.microsoft.com/sharepoint/v3/contenttype/forms">
-  <Display>DocumentLibraryForm</Display>
-  <Edit>DocumentLibraryForm</Edit>
-  <New>DocumentLibraryForm</New>
-</FormTemplates>
-</file>
-
-<file path=customXml/item3.xml><?xml version="1.0" encoding="utf-8"?>
 <ct:contentTypeSchema xmlns:ct="http://schemas.microsoft.com/office/2006/metadata/contentType" xmlns:ma="http://schemas.microsoft.com/office/2006/metadata/properties/metaAttributes" ct:_="" ma:_="" ma:contentTypeName="Document" ma:contentTypeID="0x010100793B9935CA02AD4F90F0A0FD564FDD82" ma:contentTypeVersion="17" ma:contentTypeDescription="Create a new document." ma:contentTypeScope="" ma:versionID="6168266ad0b2c1ccdc9d2ae0268a5eb6">
   <xsd:schema xmlns:xsd="http://www.w3.org/2001/XMLSchema" xmlns:xs="http://www.w3.org/2001/XMLSchema" xmlns:p="http://schemas.microsoft.com/office/2006/metadata/properties" xmlns:ns2="e44e039f-c551-4112-981c-456f1b630ef1" xmlns:ns3="727178e8-9586-4f49-8e7b-77af9c2fb085" targetNamespace="http://schemas.microsoft.com/office/2006/metadata/properties" ma:root="true" ma:fieldsID="b9b29daf9bb73cd90369de1b0e977594" ns2:_="" ns3:_="">
     <xsd:import namespace="e44e039f-c551-4112-981c-456f1b630ef1"/>
@@ -13823,6 +13608,61 @@
 </ct:contentTypeSchema>
 </file>
 
+<file path=customXml/item2.xml><?xml version="1.0" encoding="utf-8"?>
+<?mso-contentType ?>
+<FormTemplates xmlns="http://schemas.microsoft.com/sharepoint/v3/contenttype/forms">
+  <Display>DocumentLibraryForm</Display>
+  <Edit>DocumentLibraryForm</Edit>
+  <New>DocumentLibraryForm</New>
+</FormTemplates>
+</file>
+
+<file path=customXml/item3.xml><?xml version="1.0" encoding="utf-8"?>
+<?mso-contentType ?>
+<spe:Receivers xmlns:spe="http://schemas.microsoft.com/sharepoint/events">
+  <Receiver>
+    <Name>Document ID Generator</Name>
+    <Synchronization>Synchronous</Synchronization>
+    <Type>10001</Type>
+    <SequenceNumber>1000</SequenceNumber>
+    <Assembly>Microsoft.Office.DocumentManagement, Version=14.0.0.0, Culture=neutral, PublicKeyToken=71e9bce111e9429c</Assembly>
+    <Class>Microsoft.Office.DocumentManagement.Internal.DocIdHandler</Class>
+    <Data/>
+    <Filter/>
+  </Receiver>
+  <Receiver>
+    <Name>Document ID Generator</Name>
+    <Synchronization>Synchronous</Synchronization>
+    <Type>10002</Type>
+    <SequenceNumber>1001</SequenceNumber>
+    <Assembly>Microsoft.Office.DocumentManagement, Version=14.0.0.0, Culture=neutral, PublicKeyToken=71e9bce111e9429c</Assembly>
+    <Class>Microsoft.Office.DocumentManagement.Internal.DocIdHandler</Class>
+    <Data/>
+    <Filter/>
+  </Receiver>
+  <Receiver>
+    <Name>Document ID Generator</Name>
+    <Synchronization>Synchronous</Synchronization>
+    <Type>10004</Type>
+    <SequenceNumber>1002</SequenceNumber>
+    <Assembly>Microsoft.Office.DocumentManagement, Version=14.0.0.0, Culture=neutral, PublicKeyToken=71e9bce111e9429c</Assembly>
+    <Class>Microsoft.Office.DocumentManagement.Internal.DocIdHandler</Class>
+    <Data/>
+    <Filter/>
+  </Receiver>
+  <Receiver>
+    <Name>Document ID Generator</Name>
+    <Synchronization>Synchronous</Synchronization>
+    <Type>10006</Type>
+    <SequenceNumber>1003</SequenceNumber>
+    <Assembly>Microsoft.Office.DocumentManagement, Version=14.0.0.0, Culture=neutral, PublicKeyToken=71e9bce111e9429c</Assembly>
+    <Class>Microsoft.Office.DocumentManagement.Internal.DocIdHandler</Class>
+    <Data/>
+    <Filter/>
+  </Receiver>
+</spe:Receivers>
+</file>
+
 <file path=customXml/item4.xml><?xml version="1.0" encoding="utf-8"?>
 <p:properties xmlns:p="http://schemas.microsoft.com/office/2006/metadata/properties" xmlns:xsi="http://www.w3.org/2001/XMLSchema-instance" xmlns:pc="http://schemas.microsoft.com/office/infopath/2007/PartnerControls">
   <documentManagement>
@@ -13859,22 +13699,6 @@
 </file>
 
 <file path=customXml/itemProps1.xml><?xml version="1.0" encoding="utf-8"?>
-<ds:datastoreItem xmlns:ds="http://schemas.openxmlformats.org/officeDocument/2006/customXml" ds:itemID="{A6F3EA8F-EBA0-438A-80BD-6A96E2E10054}">
-  <ds:schemaRefs>
-    <ds:schemaRef ds:uri="http://schemas.microsoft.com/sharepoint/events"/>
-  </ds:schemaRefs>
-</ds:datastoreItem>
-</file>
-
-<file path=customXml/itemProps2.xml><?xml version="1.0" encoding="utf-8"?>
-<ds:datastoreItem xmlns:ds="http://schemas.openxmlformats.org/officeDocument/2006/customXml" ds:itemID="{9217953E-6BB7-40C6-9A84-608D0A8D65EC}">
-  <ds:schemaRefs>
-    <ds:schemaRef ds:uri="http://schemas.microsoft.com/sharepoint/v3/contenttype/forms"/>
-  </ds:schemaRefs>
-</ds:datastoreItem>
-</file>
-
-<file path=customXml/itemProps3.xml><?xml version="1.0" encoding="utf-8"?>
 <ds:datastoreItem xmlns:ds="http://schemas.openxmlformats.org/officeDocument/2006/customXml" ds:itemID="{54CA1130-EAC1-4116-82E4-DF5A51FE3AEA}">
   <ds:schemaRefs>
     <ds:schemaRef ds:uri="http://schemas.microsoft.com/office/2006/metadata/contentType"/>
@@ -13889,6 +13713,22 @@
     <ds:schemaRef ds:uri="http://purl.org/dc/elements/1.1/"/>
     <ds:schemaRef ds:uri="http://purl.org/dc/terms/"/>
     <ds:schemaRef ds:uri="http://schemas.microsoft.com/internal/obd"/>
+  </ds:schemaRefs>
+</ds:datastoreItem>
+</file>
+
+<file path=customXml/itemProps2.xml><?xml version="1.0" encoding="utf-8"?>
+<ds:datastoreItem xmlns:ds="http://schemas.openxmlformats.org/officeDocument/2006/customXml" ds:itemID="{9217953E-6BB7-40C6-9A84-608D0A8D65EC}">
+  <ds:schemaRefs>
+    <ds:schemaRef ds:uri="http://schemas.microsoft.com/sharepoint/v3/contenttype/forms"/>
+  </ds:schemaRefs>
+</ds:datastoreItem>
+</file>
+
+<file path=customXml/itemProps3.xml><?xml version="1.0" encoding="utf-8"?>
+<ds:datastoreItem xmlns:ds="http://schemas.openxmlformats.org/officeDocument/2006/customXml" ds:itemID="{A6F3EA8F-EBA0-438A-80BD-6A96E2E10054}">
+  <ds:schemaRefs>
+    <ds:schemaRef ds:uri="http://schemas.microsoft.com/sharepoint/events"/>
   </ds:schemaRefs>
 </ds:datastoreItem>
 </file>
